--- a/網頁.pptx
+++ b/網頁.pptx
@@ -262,7 +262,7 @@
           <a:p>
             <a:fld id="{3DB51DAC-048F-46A5-8BDB-EB18169E2617}" type="datetimeFigureOut">
               <a:rPr lang="zh-TW" altLang="en-US" smtClean="0"/>
-              <a:t>2017/6/3</a:t>
+              <a:t>2017/6/4</a:t>
             </a:fld>
             <a:endParaRPr lang="zh-TW" altLang="en-US"/>
           </a:p>
@@ -432,7 +432,7 @@
           <a:p>
             <a:fld id="{3DB51DAC-048F-46A5-8BDB-EB18169E2617}" type="datetimeFigureOut">
               <a:rPr lang="zh-TW" altLang="en-US" smtClean="0"/>
-              <a:t>2017/6/3</a:t>
+              <a:t>2017/6/4</a:t>
             </a:fld>
             <a:endParaRPr lang="zh-TW" altLang="en-US"/>
           </a:p>
@@ -612,7 +612,7 @@
           <a:p>
             <a:fld id="{3DB51DAC-048F-46A5-8BDB-EB18169E2617}" type="datetimeFigureOut">
               <a:rPr lang="zh-TW" altLang="en-US" smtClean="0"/>
-              <a:t>2017/6/3</a:t>
+              <a:t>2017/6/4</a:t>
             </a:fld>
             <a:endParaRPr lang="zh-TW" altLang="en-US"/>
           </a:p>
@@ -782,7 +782,7 @@
           <a:p>
             <a:fld id="{3DB51DAC-048F-46A5-8BDB-EB18169E2617}" type="datetimeFigureOut">
               <a:rPr lang="zh-TW" altLang="en-US" smtClean="0"/>
-              <a:t>2017/6/3</a:t>
+              <a:t>2017/6/4</a:t>
             </a:fld>
             <a:endParaRPr lang="zh-TW" altLang="en-US"/>
           </a:p>
@@ -1028,7 +1028,7 @@
           <a:p>
             <a:fld id="{3DB51DAC-048F-46A5-8BDB-EB18169E2617}" type="datetimeFigureOut">
               <a:rPr lang="zh-TW" altLang="en-US" smtClean="0"/>
-              <a:t>2017/6/3</a:t>
+              <a:t>2017/6/4</a:t>
             </a:fld>
             <a:endParaRPr lang="zh-TW" altLang="en-US"/>
           </a:p>
@@ -1260,7 +1260,7 @@
           <a:p>
             <a:fld id="{3DB51DAC-048F-46A5-8BDB-EB18169E2617}" type="datetimeFigureOut">
               <a:rPr lang="zh-TW" altLang="en-US" smtClean="0"/>
-              <a:t>2017/6/3</a:t>
+              <a:t>2017/6/4</a:t>
             </a:fld>
             <a:endParaRPr lang="zh-TW" altLang="en-US"/>
           </a:p>
@@ -1627,7 +1627,7 @@
           <a:p>
             <a:fld id="{3DB51DAC-048F-46A5-8BDB-EB18169E2617}" type="datetimeFigureOut">
               <a:rPr lang="zh-TW" altLang="en-US" smtClean="0"/>
-              <a:t>2017/6/3</a:t>
+              <a:t>2017/6/4</a:t>
             </a:fld>
             <a:endParaRPr lang="zh-TW" altLang="en-US"/>
           </a:p>
@@ -1752,7 +1752,7 @@
           <a:p>
             <a:fld id="{3DB51DAC-048F-46A5-8BDB-EB18169E2617}" type="datetimeFigureOut">
               <a:rPr lang="zh-TW" altLang="en-US" smtClean="0"/>
-              <a:t>2017/6/3</a:t>
+              <a:t>2017/6/4</a:t>
             </a:fld>
             <a:endParaRPr lang="zh-TW" altLang="en-US"/>
           </a:p>
@@ -1854,7 +1854,7 @@
           <a:p>
             <a:fld id="{3DB51DAC-048F-46A5-8BDB-EB18169E2617}" type="datetimeFigureOut">
               <a:rPr lang="zh-TW" altLang="en-US" smtClean="0"/>
-              <a:t>2017/6/3</a:t>
+              <a:t>2017/6/4</a:t>
             </a:fld>
             <a:endParaRPr lang="zh-TW" altLang="en-US"/>
           </a:p>
@@ -2138,7 +2138,7 @@
           <a:p>
             <a:fld id="{3DB51DAC-048F-46A5-8BDB-EB18169E2617}" type="datetimeFigureOut">
               <a:rPr lang="zh-TW" altLang="en-US" smtClean="0"/>
-              <a:t>2017/6/3</a:t>
+              <a:t>2017/6/4</a:t>
             </a:fld>
             <a:endParaRPr lang="zh-TW" altLang="en-US"/>
           </a:p>
@@ -2398,7 +2398,7 @@
           <a:p>
             <a:fld id="{3DB51DAC-048F-46A5-8BDB-EB18169E2617}" type="datetimeFigureOut">
               <a:rPr lang="zh-TW" altLang="en-US" smtClean="0"/>
-              <a:t>2017/6/3</a:t>
+              <a:t>2017/6/4</a:t>
             </a:fld>
             <a:endParaRPr lang="zh-TW" altLang="en-US"/>
           </a:p>
@@ -2611,7 +2611,7 @@
           <a:p>
             <a:fld id="{3DB51DAC-048F-46A5-8BDB-EB18169E2617}" type="datetimeFigureOut">
               <a:rPr lang="zh-TW" altLang="en-US" smtClean="0"/>
-              <a:t>2017/6/3</a:t>
+              <a:t>2017/6/4</a:t>
             </a:fld>
             <a:endParaRPr lang="zh-TW" altLang="en-US"/>
           </a:p>
@@ -3074,30 +3074,6 @@
       </p:sp>
       <p:pic>
         <p:nvPicPr>
-          <p:cNvPr id="8" name="圖片 7"/>
-          <p:cNvPicPr>
-            <a:picLocks noChangeAspect="1"/>
-          </p:cNvPicPr>
-          <p:nvPr/>
-        </p:nvPicPr>
-        <p:blipFill>
-          <a:blip r:embed="rId3"/>
-          <a:stretch>
-            <a:fillRect/>
-          </a:stretch>
-        </p:blipFill>
-        <p:spPr>
-          <a:xfrm>
-            <a:off x="1619281" y="2786221"/>
-            <a:ext cx="6322100" cy="2901948"/>
-          </a:xfrm>
-          <a:prstGeom prst="rect">
-            <a:avLst/>
-          </a:prstGeom>
-        </p:spPr>
-      </p:pic>
-      <p:pic>
-        <p:nvPicPr>
           <p:cNvPr id="10" name="圖片 9"/>
           <p:cNvPicPr>
             <a:picLocks noChangeAspect="1"/>
@@ -3105,7 +3081,7 @@
           <p:nvPr/>
         </p:nvPicPr>
         <p:blipFill rotWithShape="1">
-          <a:blip r:embed="rId4"/>
+          <a:blip r:embed="rId3"/>
           <a:srcRect l="14707" t="10363" r="15107" b="1151"/>
           <a:stretch/>
         </p:blipFill>
@@ -3134,7 +3110,7 @@
           <p:nvPr/>
         </p:nvPicPr>
         <p:blipFill>
-          <a:blip r:embed="rId5"/>
+          <a:blip r:embed="rId4"/>
           <a:stretch>
             <a:fillRect/>
           </a:stretch>
@@ -3149,6 +3125,173 @@
           </a:prstGeom>
         </p:spPr>
       </p:pic>
+      <p:sp>
+        <p:nvSpPr>
+          <p:cNvPr id="2" name="文字方塊 1"/>
+          <p:cNvSpPr txBox="1"/>
+          <p:nvPr/>
+        </p:nvSpPr>
+        <p:spPr>
+          <a:xfrm>
+            <a:off x="1807647" y="2831453"/>
+            <a:ext cx="4288353" cy="2554545"/>
+          </a:xfrm>
+          <a:prstGeom prst="rect">
+            <a:avLst/>
+          </a:prstGeom>
+          <a:noFill/>
+        </p:spPr>
+        <p:txBody>
+          <a:bodyPr wrap="none" rtlCol="0">
+            <a:spAutoFit/>
+          </a:bodyPr>
+          <a:lstStyle/>
+          <a:p>
+            <a:r>
+              <a:rPr lang="zh-TW" altLang="en-US" sz="3200" b="1" dirty="0" smtClean="0">
+                <a:solidFill>
+                  <a:srgbClr val="FF0000"/>
+                </a:solidFill>
+                <a:latin typeface="華康秀風體W3(P)" panose="03000300000000000000" pitchFamily="66" charset="-120"/>
+                <a:ea typeface="華康秀風體W3(P)" panose="03000300000000000000" pitchFamily="66" charset="-120"/>
+              </a:rPr>
+              <a:t>第</a:t>
+            </a:r>
+            <a:r>
+              <a:rPr lang="en-US" altLang="zh-TW" sz="3200" b="1" dirty="0" smtClean="0">
+                <a:solidFill>
+                  <a:srgbClr val="FF0000"/>
+                </a:solidFill>
+                <a:latin typeface="華康秀風體W3(P)" panose="03000300000000000000" pitchFamily="66" charset="-120"/>
+                <a:ea typeface="華康秀風體W3(P)" panose="03000300000000000000" pitchFamily="66" charset="-120"/>
+              </a:rPr>
+              <a:t>17</a:t>
+            </a:r>
+            <a:r>
+              <a:rPr lang="zh-TW" altLang="en-US" sz="3200" b="1" dirty="0" smtClean="0">
+                <a:solidFill>
+                  <a:srgbClr val="FF0000"/>
+                </a:solidFill>
+                <a:latin typeface="華康秀風體W3(P)" panose="03000300000000000000" pitchFamily="66" charset="-120"/>
+                <a:ea typeface="華康秀風體W3(P)" panose="03000300000000000000" pitchFamily="66" charset="-120"/>
+              </a:rPr>
+              <a:t>組</a:t>
+            </a:r>
+            <a:r>
+              <a:rPr lang="en-US" altLang="zh-TW" sz="3200" b="1" dirty="0" smtClean="0">
+                <a:solidFill>
+                  <a:srgbClr val="FF0000"/>
+                </a:solidFill>
+                <a:latin typeface="華康秀風體W3(P)" panose="03000300000000000000" pitchFamily="66" charset="-120"/>
+                <a:ea typeface="華康秀風體W3(P)" panose="03000300000000000000" pitchFamily="66" charset="-120"/>
+              </a:rPr>
+              <a:t>–</a:t>
+            </a:r>
+            <a:r>
+              <a:rPr lang="zh-TW" altLang="en-US" sz="3200" b="1" dirty="0" smtClean="0">
+                <a:solidFill>
+                  <a:schemeClr val="accent5">
+                    <a:lumMod val="50000"/>
+                  </a:schemeClr>
+                </a:solidFill>
+                <a:latin typeface="華康秀風體W3(P)" panose="03000300000000000000" pitchFamily="66" charset="-120"/>
+                <a:ea typeface="華康秀風體W3(P)" panose="03000300000000000000" pitchFamily="66" charset="-120"/>
+              </a:rPr>
+              <a:t>組員</a:t>
+            </a:r>
+            <a:r>
+              <a:rPr lang="zh-TW" altLang="en-US" sz="4000" b="1" dirty="0" smtClean="0">
+                <a:solidFill>
+                  <a:schemeClr val="accent5">
+                    <a:lumMod val="50000"/>
+                  </a:schemeClr>
+                </a:solidFill>
+                <a:latin typeface="華康秀風體W3(P)" panose="03000300000000000000" pitchFamily="66" charset="-120"/>
+                <a:ea typeface="華康秀風體W3(P)" panose="03000300000000000000" pitchFamily="66" charset="-120"/>
+              </a:rPr>
+              <a:t>：</a:t>
+            </a:r>
+            <a:endParaRPr lang="en-US" altLang="zh-TW" sz="4000" b="1" dirty="0" smtClean="0">
+              <a:solidFill>
+                <a:schemeClr val="accent5">
+                  <a:lumMod val="50000"/>
+                </a:schemeClr>
+              </a:solidFill>
+              <a:latin typeface="華康秀風體W3(P)" panose="03000300000000000000" pitchFamily="66" charset="-120"/>
+              <a:ea typeface="華康秀風體W3(P)" panose="03000300000000000000" pitchFamily="66" charset="-120"/>
+            </a:endParaRPr>
+          </a:p>
+          <a:p>
+            <a:r>
+              <a:rPr lang="zh-TW" altLang="en-US" sz="4000" b="1" dirty="0" smtClean="0">
+                <a:solidFill>
+                  <a:schemeClr val="accent5">
+                    <a:lumMod val="50000"/>
+                  </a:schemeClr>
+                </a:solidFill>
+                <a:latin typeface="華康秀風體W3(P)" panose="03000300000000000000" pitchFamily="66" charset="-120"/>
+                <a:ea typeface="華康秀風體W3(P)" panose="03000300000000000000" pitchFamily="66" charset="-120"/>
+              </a:rPr>
+              <a:t>　　　　　楊明軒</a:t>
+            </a:r>
+            <a:endParaRPr lang="en-US" altLang="zh-TW" sz="4000" b="1" dirty="0" smtClean="0">
+              <a:solidFill>
+                <a:schemeClr val="accent5">
+                  <a:lumMod val="50000"/>
+                </a:schemeClr>
+              </a:solidFill>
+              <a:latin typeface="華康秀風體W3(P)" panose="03000300000000000000" pitchFamily="66" charset="-120"/>
+              <a:ea typeface="華康秀風體W3(P)" panose="03000300000000000000" pitchFamily="66" charset="-120"/>
+            </a:endParaRPr>
+          </a:p>
+          <a:p>
+            <a:r>
+              <a:rPr lang="zh-TW" altLang="en-US" sz="4000" b="1" dirty="0" smtClean="0">
+                <a:solidFill>
+                  <a:schemeClr val="accent5">
+                    <a:lumMod val="50000"/>
+                  </a:schemeClr>
+                </a:solidFill>
+                <a:latin typeface="華康秀風體W3(P)" panose="03000300000000000000" pitchFamily="66" charset="-120"/>
+                <a:ea typeface="華康秀風體W3(P)" panose="03000300000000000000" pitchFamily="66" charset="-120"/>
+              </a:rPr>
+              <a:t>　　　　　翁廷毅</a:t>
+            </a:r>
+            <a:endParaRPr lang="en-US" altLang="zh-TW" sz="4000" b="1" dirty="0" smtClean="0">
+              <a:solidFill>
+                <a:schemeClr val="accent5">
+                  <a:lumMod val="50000"/>
+                </a:schemeClr>
+              </a:solidFill>
+              <a:latin typeface="華康秀風體W3(P)" panose="03000300000000000000" pitchFamily="66" charset="-120"/>
+              <a:ea typeface="華康秀風體W3(P)" panose="03000300000000000000" pitchFamily="66" charset="-120"/>
+            </a:endParaRPr>
+          </a:p>
+          <a:p>
+            <a:r>
+              <a:rPr lang="zh-TW" altLang="en-US" sz="4000" b="1" dirty="0" smtClean="0">
+                <a:solidFill>
+                  <a:schemeClr val="accent5">
+                    <a:lumMod val="50000"/>
+                  </a:schemeClr>
+                </a:solidFill>
+                <a:latin typeface="華康秀風體W3(P)" panose="03000300000000000000" pitchFamily="66" charset="-120"/>
+                <a:ea typeface="華康秀風體W3(P)" panose="03000300000000000000" pitchFamily="66" charset="-120"/>
+              </a:rPr>
+              <a:t>　　　　　許毓哲</a:t>
+            </a:r>
+            <a:endParaRPr lang="zh-TW" altLang="en-US" sz="4000" b="1" dirty="0">
+              <a:solidFill>
+                <a:schemeClr val="accent5">
+                  <a:lumMod val="50000"/>
+                </a:schemeClr>
+              </a:solidFill>
+              <a:latin typeface="華康秀風體W3(P)" panose="03000300000000000000" pitchFamily="66" charset="-120"/>
+              <a:ea typeface="華康秀風體W3(P)" panose="03000300000000000000" pitchFamily="66" charset="-120"/>
+            </a:endParaRPr>
+          </a:p>
+        </p:txBody>
+      </p:sp>
     </p:spTree>
     <p:extLst>
       <p:ext uri="{BB962C8B-B14F-4D97-AF65-F5344CB8AC3E}">
@@ -3537,132 +3680,6 @@
           </a:effectLst>
         </p:spPr>
       </p:pic>
-      <p:sp>
-        <p:nvSpPr>
-          <p:cNvPr id="11" name="文字方塊 10"/>
-          <p:cNvSpPr txBox="1"/>
-          <p:nvPr/>
-        </p:nvSpPr>
-        <p:spPr>
-          <a:xfrm>
-            <a:off x="1596419" y="4194133"/>
-            <a:ext cx="1415772" cy="584775"/>
-          </a:xfrm>
-          <a:prstGeom prst="rect">
-            <a:avLst/>
-          </a:prstGeom>
-          <a:noFill/>
-        </p:spPr>
-        <p:txBody>
-          <a:bodyPr wrap="none" rtlCol="0">
-            <a:spAutoFit/>
-          </a:bodyPr>
-          <a:lstStyle/>
-          <a:p>
-            <a:r>
-              <a:rPr lang="zh-TW" altLang="en-US" sz="3200" b="1" u="sng" dirty="0">
-                <a:solidFill>
-                  <a:srgbClr val="002060"/>
-                </a:solidFill>
-                <a:effectLst>
-                  <a:outerShdw blurRad="38100" dist="38100" dir="2700000" algn="tl">
-                    <a:srgbClr val="000000">
-                      <a:alpha val="43137"/>
-                    </a:srgbClr>
-                  </a:outerShdw>
-                </a:effectLst>
-                <a:latin typeface="華康雅風體W3" panose="03000309000000000000" pitchFamily="65" charset="-120"/>
-                <a:ea typeface="華康雅風體W3" panose="03000309000000000000" pitchFamily="65" charset="-120"/>
-              </a:rPr>
-              <a:t>楊明軒</a:t>
-            </a:r>
-          </a:p>
-        </p:txBody>
-      </p:sp>
-      <p:sp>
-        <p:nvSpPr>
-          <p:cNvPr id="12" name="文字方塊 11"/>
-          <p:cNvSpPr txBox="1"/>
-          <p:nvPr/>
-        </p:nvSpPr>
-        <p:spPr>
-          <a:xfrm>
-            <a:off x="5311027" y="4194134"/>
-            <a:ext cx="1415772" cy="584775"/>
-          </a:xfrm>
-          <a:prstGeom prst="rect">
-            <a:avLst/>
-          </a:prstGeom>
-          <a:noFill/>
-        </p:spPr>
-        <p:txBody>
-          <a:bodyPr wrap="none" rtlCol="0">
-            <a:spAutoFit/>
-          </a:bodyPr>
-          <a:lstStyle/>
-          <a:p>
-            <a:r>
-              <a:rPr lang="zh-TW" altLang="en-US" sz="3200" b="1" u="sng" dirty="0">
-                <a:solidFill>
-                  <a:srgbClr val="002060"/>
-                </a:solidFill>
-                <a:effectLst>
-                  <a:outerShdw blurRad="38100" dist="38100" dir="2700000" algn="tl">
-                    <a:srgbClr val="000000">
-                      <a:alpha val="43137"/>
-                    </a:srgbClr>
-                  </a:outerShdw>
-                </a:effectLst>
-                <a:latin typeface="華康雅風體W3" panose="03000309000000000000" pitchFamily="65" charset="-120"/>
-                <a:ea typeface="華康雅風體W3" panose="03000309000000000000" pitchFamily="65" charset="-120"/>
-              </a:rPr>
-              <a:t>翁庭毅</a:t>
-            </a:r>
-          </a:p>
-        </p:txBody>
-      </p:sp>
-      <p:sp>
-        <p:nvSpPr>
-          <p:cNvPr id="13" name="文字方塊 12"/>
-          <p:cNvSpPr txBox="1"/>
-          <p:nvPr/>
-        </p:nvSpPr>
-        <p:spPr>
-          <a:xfrm>
-            <a:off x="8842040" y="4194135"/>
-            <a:ext cx="1415772" cy="584775"/>
-          </a:xfrm>
-          <a:prstGeom prst="rect">
-            <a:avLst/>
-          </a:prstGeom>
-          <a:noFill/>
-        </p:spPr>
-        <p:txBody>
-          <a:bodyPr wrap="none" rtlCol="0">
-            <a:spAutoFit/>
-          </a:bodyPr>
-          <a:lstStyle/>
-          <a:p>
-            <a:r>
-              <a:rPr lang="zh-TW" altLang="en-US" sz="3200" b="1" u="sng" dirty="0">
-                <a:solidFill>
-                  <a:srgbClr val="002060"/>
-                </a:solidFill>
-                <a:effectLst>
-                  <a:outerShdw blurRad="38100" dist="38100" dir="2700000" algn="tl">
-                    <a:srgbClr val="000000">
-                      <a:alpha val="43137"/>
-                    </a:srgbClr>
-                  </a:outerShdw>
-                </a:effectLst>
-                <a:latin typeface="華康雅風體W3" panose="03000309000000000000" pitchFamily="65" charset="-120"/>
-                <a:ea typeface="華康雅風體W3" panose="03000309000000000000" pitchFamily="65" charset="-120"/>
-              </a:rPr>
-              <a:t>許毓哲</a:t>
-            </a:r>
-          </a:p>
-        </p:txBody>
-      </p:sp>
       <p:pic>
         <p:nvPicPr>
           <p:cNvPr id="18" name="圖片 17"/>
@@ -3729,6 +3746,78 @@
           <a:xfrm>
             <a:off x="8495938" y="4884207"/>
             <a:ext cx="2780017" cy="1158340"/>
+          </a:xfrm>
+          <a:prstGeom prst="rect">
+            <a:avLst/>
+          </a:prstGeom>
+        </p:spPr>
+      </p:pic>
+      <p:pic>
+        <p:nvPicPr>
+          <p:cNvPr id="2" name="圖片 1"/>
+          <p:cNvPicPr>
+            <a:picLocks noChangeAspect="1"/>
+          </p:cNvPicPr>
+          <p:nvPr/>
+        </p:nvPicPr>
+        <p:blipFill>
+          <a:blip r:embed="rId9"/>
+          <a:stretch>
+            <a:fillRect/>
+          </a:stretch>
+        </p:blipFill>
+        <p:spPr>
+          <a:xfrm>
+            <a:off x="1419099" y="4136310"/>
+            <a:ext cx="1761897" cy="902286"/>
+          </a:xfrm>
+          <a:prstGeom prst="rect">
+            <a:avLst/>
+          </a:prstGeom>
+        </p:spPr>
+      </p:pic>
+      <p:pic>
+        <p:nvPicPr>
+          <p:cNvPr id="3" name="圖片 2"/>
+          <p:cNvPicPr>
+            <a:picLocks noChangeAspect="1"/>
+          </p:cNvPicPr>
+          <p:nvPr/>
+        </p:nvPicPr>
+        <p:blipFill>
+          <a:blip r:embed="rId10"/>
+          <a:stretch>
+            <a:fillRect/>
+          </a:stretch>
+        </p:blipFill>
+        <p:spPr>
+          <a:xfrm>
+            <a:off x="5281067" y="4136310"/>
+            <a:ext cx="1755800" cy="902286"/>
+          </a:xfrm>
+          <a:prstGeom prst="rect">
+            <a:avLst/>
+          </a:prstGeom>
+        </p:spPr>
+      </p:pic>
+      <p:pic>
+        <p:nvPicPr>
+          <p:cNvPr id="5" name="圖片 4"/>
+          <p:cNvPicPr>
+            <a:picLocks noChangeAspect="1"/>
+          </p:cNvPicPr>
+          <p:nvPr/>
+        </p:nvPicPr>
+        <p:blipFill>
+          <a:blip r:embed="rId11"/>
+          <a:stretch>
+            <a:fillRect/>
+          </a:stretch>
+        </p:blipFill>
+        <p:spPr>
+          <a:xfrm>
+            <a:off x="8854337" y="4136310"/>
+            <a:ext cx="1755800" cy="902286"/>
           </a:xfrm>
           <a:prstGeom prst="rect">
             <a:avLst/>
